--- a/企画書.pptx
+++ b/企画書.pptx
@@ -6160,7 +6160,7 @@
             </a:r>
             <a:r>
               <a:rPr lang="ja-JP" altLang="en-US" sz="2000" dirty="0"/>
-              <a:t>）。慣性有、軌</a:t>
+              <a:t>）位。慣性有、</a:t>
             </a:r>
             <a:endParaRPr lang="en-US" altLang="ja-JP" sz="2000" dirty="0"/>
           </a:p>
@@ -6171,8 +6171,12 @@
               </a:lnSpc>
             </a:pPr>
             <a:r>
-              <a:rPr lang="ja-JP" altLang="en-US" sz="2000" dirty="0"/>
-              <a:t>　道変化無（＝一度ジャンプしたら修正は出来ない）</a:t>
+              <a:rPr lang="ja-JP" altLang="en-US" sz="2000"/>
+              <a:t>　軌道</a:t>
+            </a:r>
+            <a:r>
+              <a:rPr lang="ja-JP" altLang="en-US" sz="2000" dirty="0"/>
+              <a:t>変化無（＝一度ジャンプしたら修正は出来ない）</a:t>
             </a:r>
             <a:endParaRPr lang="en-US" altLang="ja-JP" sz="2000" dirty="0"/>
           </a:p>
